--- a/项目定义.pptx
+++ b/项目定义.pptx
@@ -9,8 +9,10 @@
     <p:sldId id="257" r:id="rId3"/>
     <p:sldId id="258" r:id="rId4"/>
     <p:sldId id="259" r:id="rId5"/>
-    <p:sldId id="261" r:id="rId6"/>
-    <p:sldId id="260" r:id="rId7"/>
+    <p:sldId id="262" r:id="rId6"/>
+    <p:sldId id="261" r:id="rId7"/>
+    <p:sldId id="263" r:id="rId8"/>
+    <p:sldId id="260" r:id="rId9"/>
   </p:sldIdLst>
   <p:sldSz cx="9144000" cy="6858000" type="screen4x3"/>
   <p:notesSz cx="6858000" cy="9144000"/>
@@ -6508,7 +6510,19 @@
           <a:p>
             <a:r>
               <a:rPr kumimoji="1" lang="zh-CN" altLang="en-US" dirty="0" smtClean="0"/>
-              <a:t>功能设计</a:t>
+              <a:t>功</a:t>
+            </a:r>
+            <a:r>
+              <a:rPr kumimoji="1" lang="zh-CN" altLang="en-US" dirty="0" smtClean="0"/>
+              <a:t>能</a:t>
+            </a:r>
+            <a:r>
+              <a:rPr kumimoji="1" lang="zh-CN" altLang="en-US" dirty="0" smtClean="0"/>
+              <a:t>性需求</a:t>
+            </a:r>
+            <a:r>
+              <a:rPr kumimoji="1" lang="zh-CN" altLang="en-US" dirty="0" smtClean="0"/>
+              <a:t>设计</a:t>
             </a:r>
             <a:endParaRPr kumimoji="1" lang="zh-CN" altLang="en-US" dirty="0"/>
           </a:p>
@@ -6532,67 +6546,135 @@
           <a:lstStyle/>
           <a:p>
             <a:r>
-              <a:rPr kumimoji="1" lang="zh-CN" altLang="en-US" dirty="0" smtClean="0"/>
-              <a:t>个人设置</a:t>
-            </a:r>
-            <a:endParaRPr kumimoji="1" lang="en-US" altLang="zh-CN" dirty="0" smtClean="0"/>
-          </a:p>
-          <a:p>
-            <a:r>
-              <a:rPr kumimoji="1" lang="zh-CN" altLang="en-US" dirty="0" smtClean="0"/>
-              <a:t>日程管理</a:t>
-            </a:r>
-            <a:endParaRPr kumimoji="1" lang="en-US" altLang="zh-CN" dirty="0" smtClean="0"/>
-          </a:p>
-          <a:p>
-            <a:r>
-              <a:rPr kumimoji="1" lang="zh-CN" altLang="en-US" dirty="0" smtClean="0"/>
+              <a:rPr kumimoji="1" lang="zh-CN" altLang="en-US" dirty="0" smtClean="0">
+                <a:latin typeface="+mj-ea"/>
+                <a:ea typeface="+mj-ea"/>
+              </a:rPr>
+              <a:t>日程</a:t>
+            </a:r>
+            <a:r>
+              <a:rPr kumimoji="1" lang="zh-CN" altLang="en-US" dirty="0" smtClean="0">
+                <a:latin typeface="+mj-ea"/>
+                <a:ea typeface="+mj-ea"/>
+              </a:rPr>
+              <a:t>管理</a:t>
+            </a:r>
+            <a:endParaRPr kumimoji="1" lang="en-US" altLang="zh-CN" dirty="0" smtClean="0">
+              <a:latin typeface="+mj-ea"/>
+              <a:ea typeface="+mj-ea"/>
+            </a:endParaRPr>
+          </a:p>
+          <a:p>
+            <a:r>
+              <a:rPr kumimoji="1" lang="zh-CN" altLang="en-US" dirty="0" smtClean="0">
+                <a:latin typeface="+mj-ea"/>
+                <a:ea typeface="+mj-ea"/>
+              </a:rPr>
               <a:t>通讯录</a:t>
             </a:r>
-            <a:endParaRPr kumimoji="1" lang="en-US" altLang="zh-CN" dirty="0" smtClean="0"/>
-          </a:p>
-          <a:p>
-            <a:r>
-              <a:rPr kumimoji="1" lang="zh-CN" altLang="en-US" dirty="0" smtClean="0"/>
+            <a:r>
+              <a:rPr kumimoji="1" lang="zh-CN" altLang="en-US" dirty="0" smtClean="0">
+                <a:latin typeface="+mj-ea"/>
+                <a:ea typeface="+mj-ea"/>
+              </a:rPr>
+              <a:t>（用户管理）</a:t>
+            </a:r>
+            <a:endParaRPr kumimoji="1" lang="en-US" altLang="zh-CN" dirty="0" smtClean="0">
+              <a:latin typeface="+mj-ea"/>
+              <a:ea typeface="+mj-ea"/>
+            </a:endParaRPr>
+          </a:p>
+          <a:p>
+            <a:r>
+              <a:rPr kumimoji="1" lang="zh-CN" altLang="en-US" dirty="0" smtClean="0">
+                <a:latin typeface="+mj-ea"/>
+                <a:ea typeface="+mj-ea"/>
+              </a:rPr>
+              <a:t>文档管理</a:t>
+            </a:r>
+            <a:endParaRPr kumimoji="1" lang="en-US" altLang="zh-CN" dirty="0" smtClean="0">
+              <a:latin typeface="+mj-ea"/>
+              <a:ea typeface="+mj-ea"/>
+            </a:endParaRPr>
+          </a:p>
+          <a:p>
+            <a:r>
+              <a:rPr kumimoji="1" lang="zh-CN" altLang="en-US" dirty="0" smtClean="0">
+                <a:latin typeface="+mj-ea"/>
+                <a:ea typeface="+mj-ea"/>
+              </a:rPr>
               <a:t>工作</a:t>
             </a:r>
             <a:r>
-              <a:rPr kumimoji="1" lang="zh-CN" altLang="en-US" dirty="0" smtClean="0"/>
+              <a:rPr kumimoji="1" lang="zh-CN" altLang="en-US" dirty="0" smtClean="0">
+                <a:latin typeface="+mj-ea"/>
+                <a:ea typeface="+mj-ea"/>
+              </a:rPr>
               <a:t>日记</a:t>
             </a:r>
-            <a:endParaRPr kumimoji="1" lang="en-US" altLang="zh-CN" dirty="0" smtClean="0"/>
-          </a:p>
-          <a:p>
-            <a:r>
-              <a:rPr kumimoji="1" lang="zh-CN" altLang="en-US" dirty="0" smtClean="0"/>
+            <a:endParaRPr kumimoji="1" lang="en-US" altLang="zh-CN" dirty="0" smtClean="0">
+              <a:latin typeface="+mj-ea"/>
+              <a:ea typeface="+mj-ea"/>
+            </a:endParaRPr>
+          </a:p>
+          <a:p>
+            <a:r>
+              <a:rPr kumimoji="1" lang="zh-CN" altLang="en-US" dirty="0" smtClean="0">
+                <a:latin typeface="+mj-ea"/>
+                <a:ea typeface="+mj-ea"/>
+              </a:rPr>
               <a:t>工作任务</a:t>
             </a:r>
-            <a:endParaRPr kumimoji="1" lang="en-US" altLang="zh-CN" dirty="0" smtClean="0"/>
-          </a:p>
-          <a:p>
-            <a:r>
-              <a:rPr kumimoji="1" lang="zh-CN" altLang="en-US" dirty="0" smtClean="0"/>
+            <a:endParaRPr kumimoji="1" lang="en-US" altLang="zh-CN" dirty="0" smtClean="0">
+              <a:latin typeface="+mj-ea"/>
+              <a:ea typeface="+mj-ea"/>
+            </a:endParaRPr>
+          </a:p>
+          <a:p>
+            <a:r>
+              <a:rPr kumimoji="1" lang="zh-CN" altLang="en-US" dirty="0" smtClean="0">
+                <a:latin typeface="+mj-ea"/>
+                <a:ea typeface="+mj-ea"/>
+              </a:rPr>
               <a:t>通知及公告</a:t>
             </a:r>
-            <a:endParaRPr kumimoji="1" lang="en-US" altLang="zh-CN" dirty="0" smtClean="0"/>
-          </a:p>
-          <a:p>
-            <a:r>
-              <a:rPr kumimoji="1" lang="zh-CN" altLang="en-US" dirty="0" smtClean="0"/>
+            <a:endParaRPr kumimoji="1" lang="en-US" altLang="zh-CN" dirty="0" smtClean="0">
+              <a:latin typeface="+mj-ea"/>
+              <a:ea typeface="+mj-ea"/>
+            </a:endParaRPr>
+          </a:p>
+          <a:p>
+            <a:r>
+              <a:rPr kumimoji="1" lang="zh-CN" altLang="en-US" dirty="0" smtClean="0">
+                <a:latin typeface="+mj-ea"/>
+                <a:ea typeface="+mj-ea"/>
+              </a:rPr>
               <a:t>工作流程</a:t>
             </a:r>
-            <a:endParaRPr kumimoji="1" lang="en-US" altLang="zh-CN" dirty="0" smtClean="0"/>
-          </a:p>
-          <a:p>
-            <a:r>
-              <a:rPr kumimoji="1" lang="zh-CN" altLang="en-US" dirty="0" smtClean="0"/>
+            <a:endParaRPr kumimoji="1" lang="en-US" altLang="zh-CN" dirty="0" smtClean="0">
+              <a:latin typeface="+mj-ea"/>
+              <a:ea typeface="+mj-ea"/>
+            </a:endParaRPr>
+          </a:p>
+          <a:p>
+            <a:r>
+              <a:rPr kumimoji="1" lang="zh-CN" altLang="en-US" dirty="0" smtClean="0">
+                <a:latin typeface="+mj-ea"/>
+                <a:ea typeface="+mj-ea"/>
+              </a:rPr>
               <a:t>系统</a:t>
             </a:r>
             <a:r>
-              <a:rPr kumimoji="1" lang="zh-CN" altLang="en-US" dirty="0" smtClean="0"/>
+              <a:rPr kumimoji="1" lang="zh-CN" altLang="en-US" dirty="0" smtClean="0">
+                <a:latin typeface="+mj-ea"/>
+                <a:ea typeface="+mj-ea"/>
+              </a:rPr>
               <a:t>管理</a:t>
             </a:r>
-            <a:endParaRPr kumimoji="1" lang="zh-CN" altLang="en-US" dirty="0"/>
+            <a:endParaRPr kumimoji="1" lang="zh-CN" altLang="en-US" dirty="0">
+              <a:latin typeface="+mj-ea"/>
+              <a:ea typeface="+mj-ea"/>
+            </a:endParaRPr>
           </a:p>
         </p:txBody>
       </p:sp>
@@ -6658,6 +6740,120 @@
           <a:p>
             <a:r>
               <a:rPr kumimoji="1" lang="zh-CN" altLang="en-US" dirty="0" smtClean="0"/>
+              <a:t>非功能性需求</a:t>
+            </a:r>
+            <a:endParaRPr kumimoji="1" lang="zh-CN" altLang="en-US" dirty="0"/>
+          </a:p>
+        </p:txBody>
+      </p:sp>
+      <p:sp>
+        <p:nvSpPr>
+          <p:cNvPr id="3" name="内容占位符 2"/>
+          <p:cNvSpPr>
+            <a:spLocks noGrp="1"/>
+          </p:cNvSpPr>
+          <p:nvPr>
+            <p:ph idx="1"/>
+          </p:nvPr>
+        </p:nvSpPr>
+        <p:spPr/>
+        <p:txBody>
+          <a:bodyPr/>
+          <a:lstStyle/>
+          <a:p>
+            <a:r>
+              <a:rPr kumimoji="1" lang="zh-CN" altLang="en-US" dirty="0" smtClean="0"/>
+              <a:t>日志记录</a:t>
+            </a:r>
+            <a:endParaRPr kumimoji="1" lang="en-US" altLang="zh-CN" dirty="0" smtClean="0"/>
+          </a:p>
+          <a:p>
+            <a:r>
+              <a:rPr kumimoji="1" lang="zh-CN" altLang="en-US" dirty="0" smtClean="0"/>
+              <a:t>标准异常处理</a:t>
+            </a:r>
+            <a:endParaRPr kumimoji="1" lang="en-US" altLang="zh-CN" dirty="0" smtClean="0"/>
+          </a:p>
+          <a:p>
+            <a:r>
+              <a:rPr kumimoji="1" lang="zh-CN" altLang="en-US" dirty="0" smtClean="0"/>
+              <a:t>系统安全性</a:t>
+            </a:r>
+            <a:endParaRPr kumimoji="1" lang="en-US" altLang="zh-CN" dirty="0" smtClean="0"/>
+          </a:p>
+          <a:p>
+            <a:r>
+              <a:rPr kumimoji="1" lang="zh-CN" altLang="en-US" dirty="0" smtClean="0"/>
+              <a:t>数据备份</a:t>
+            </a:r>
+            <a:endParaRPr kumimoji="1" lang="en-US" altLang="zh-CN" dirty="0" smtClean="0"/>
+          </a:p>
+          <a:p>
+            <a:r>
+              <a:rPr kumimoji="1" lang="zh-CN" altLang="en-US" dirty="0" smtClean="0"/>
+              <a:t>数据导入</a:t>
+            </a:r>
+            <a:endParaRPr kumimoji="1" lang="en-US" altLang="zh-CN" dirty="0" smtClean="0"/>
+          </a:p>
+          <a:p>
+            <a:endParaRPr kumimoji="1" lang="en-US" altLang="zh-CN" dirty="0" smtClean="0"/>
+          </a:p>
+        </p:txBody>
+      </p:sp>
+    </p:spTree>
+    <p:extLst>
+      <p:ext uri="{BB962C8B-B14F-4D97-AF65-F5344CB8AC3E}">
+        <p14:creationId xmlns:p14="http://schemas.microsoft.com/office/powerpoint/2010/main" val="38215214"/>
+      </p:ext>
+    </p:extLst>
+  </p:cSld>
+  <p:clrMapOvr>
+    <a:masterClrMapping/>
+  </p:clrMapOvr>
+  <p:timing>
+    <p:tnLst>
+      <p:par>
+        <p:cTn xmlns:p14="http://schemas.microsoft.com/office/powerpoint/2010/main" id="1" dur="indefinite" restart="never" nodeType="tmRoot"/>
+      </p:par>
+    </p:tnLst>
+  </p:timing>
+</p:sld>
+</file>
+
+<file path=ppt/slides/slide6.xml><?xml version="1.0" encoding="utf-8"?>
+<p:sld xmlns:a="http://schemas.openxmlformats.org/drawingml/2006/main" xmlns:r="http://schemas.openxmlformats.org/officeDocument/2006/relationships" xmlns:p="http://schemas.openxmlformats.org/presentationml/2006/main">
+  <p:cSld>
+    <p:spTree>
+      <p:nvGrpSpPr>
+        <p:cNvPr id="1" name=""/>
+        <p:cNvGrpSpPr/>
+        <p:nvPr/>
+      </p:nvGrpSpPr>
+      <p:grpSpPr>
+        <a:xfrm>
+          <a:off x="0" y="0"/>
+          <a:ext cx="0" cy="0"/>
+          <a:chOff x="0" y="0"/>
+          <a:chExt cx="0" cy="0"/>
+        </a:xfrm>
+      </p:grpSpPr>
+      <p:sp>
+        <p:nvSpPr>
+          <p:cNvPr id="2" name="标题 1"/>
+          <p:cNvSpPr>
+            <a:spLocks noGrp="1"/>
+          </p:cNvSpPr>
+          <p:nvPr>
+            <p:ph type="title"/>
+          </p:nvPr>
+        </p:nvSpPr>
+        <p:spPr/>
+        <p:txBody>
+          <a:bodyPr/>
+          <a:lstStyle/>
+          <a:p>
+            <a:r>
+              <a:rPr kumimoji="1" lang="zh-CN" altLang="en-US" dirty="0" smtClean="0"/>
               <a:t>附录</a:t>
             </a:r>
             <a:endParaRPr kumimoji="1" lang="zh-CN" altLang="en-US" dirty="0"/>
@@ -6705,10 +6901,651 @@
       <p:transition xmlns:p14="http://schemas.microsoft.com/office/powerpoint/2010/main" spd="slow"/>
     </mc:Fallback>
   </mc:AlternateContent>
+  <p:timing>
+    <p:tnLst>
+      <p:par>
+        <p:cTn xmlns:p14="http://schemas.microsoft.com/office/powerpoint/2010/main" id="1" dur="indefinite" restart="never" nodeType="tmRoot"/>
+      </p:par>
+    </p:tnLst>
+  </p:timing>
 </p:sld>
 </file>
 
-<file path=ppt/slides/slide6.xml><?xml version="1.0" encoding="utf-8"?>
+<file path=ppt/slides/slide7.xml><?xml version="1.0" encoding="utf-8"?>
+<p:sld xmlns:a="http://schemas.openxmlformats.org/drawingml/2006/main" xmlns:r="http://schemas.openxmlformats.org/officeDocument/2006/relationships" xmlns:p="http://schemas.openxmlformats.org/presentationml/2006/main">
+  <p:cSld>
+    <p:spTree>
+      <p:nvGrpSpPr>
+        <p:cNvPr id="1" name=""/>
+        <p:cNvGrpSpPr/>
+        <p:nvPr/>
+      </p:nvGrpSpPr>
+      <p:grpSpPr>
+        <a:xfrm>
+          <a:off x="0" y="0"/>
+          <a:ext cx="0" cy="0"/>
+          <a:chOff x="0" y="0"/>
+          <a:chExt cx="0" cy="0"/>
+        </a:xfrm>
+      </p:grpSpPr>
+      <p:sp>
+        <p:nvSpPr>
+          <p:cNvPr id="2" name="标题 1"/>
+          <p:cNvSpPr>
+            <a:spLocks noGrp="1"/>
+          </p:cNvSpPr>
+          <p:nvPr>
+            <p:ph type="title"/>
+          </p:nvPr>
+        </p:nvSpPr>
+        <p:spPr/>
+        <p:txBody>
+          <a:bodyPr/>
+          <a:lstStyle/>
+          <a:p>
+            <a:r>
+              <a:rPr kumimoji="1" lang="zh-CN" altLang="en-US" dirty="0" smtClean="0"/>
+              <a:t>系统模型</a:t>
+            </a:r>
+            <a:endParaRPr kumimoji="1" lang="zh-CN" altLang="en-US" dirty="0"/>
+          </a:p>
+        </p:txBody>
+      </p:sp>
+      <p:sp>
+        <p:nvSpPr>
+          <p:cNvPr id="10" name="矩形 9"/>
+          <p:cNvSpPr/>
+          <p:nvPr/>
+        </p:nvSpPr>
+        <p:spPr>
+          <a:xfrm>
+            <a:off x="668833" y="2814395"/>
+            <a:ext cx="5732673" cy="1946504"/>
+          </a:xfrm>
+          <a:prstGeom prst="rect">
+            <a:avLst/>
+          </a:prstGeom>
+        </p:spPr>
+        <p:style>
+          <a:lnRef idx="1">
+            <a:schemeClr val="accent2"/>
+          </a:lnRef>
+          <a:fillRef idx="2">
+            <a:schemeClr val="accent2"/>
+          </a:fillRef>
+          <a:effectRef idx="1">
+            <a:schemeClr val="accent2"/>
+          </a:effectRef>
+          <a:fontRef idx="minor">
+            <a:schemeClr val="dk1"/>
+          </a:fontRef>
+        </p:style>
+        <p:txBody>
+          <a:bodyPr rtlCol="0" anchor="ctr"/>
+          <a:lstStyle/>
+          <a:p>
+            <a:pPr algn="ctr"/>
+            <a:r>
+              <a:rPr kumimoji="1" lang="zh-CN" altLang="en-US" dirty="0">
+                <a:latin typeface="+mj-ea"/>
+              </a:rPr>
+              <a:t>工作流程</a:t>
+            </a:r>
+          </a:p>
+        </p:txBody>
+      </p:sp>
+      <p:sp>
+        <p:nvSpPr>
+          <p:cNvPr id="4" name="矩形 3"/>
+          <p:cNvSpPr/>
+          <p:nvPr/>
+        </p:nvSpPr>
+        <p:spPr>
+          <a:xfrm>
+            <a:off x="668833" y="2246906"/>
+            <a:ext cx="1910891" cy="567903"/>
+          </a:xfrm>
+          <a:prstGeom prst="rect">
+            <a:avLst/>
+          </a:prstGeom>
+        </p:spPr>
+        <p:style>
+          <a:lnRef idx="1">
+            <a:schemeClr val="accent2"/>
+          </a:lnRef>
+          <a:fillRef idx="2">
+            <a:schemeClr val="accent2"/>
+          </a:fillRef>
+          <a:effectRef idx="1">
+            <a:schemeClr val="accent2"/>
+          </a:effectRef>
+          <a:fontRef idx="minor">
+            <a:schemeClr val="dk1"/>
+          </a:fontRef>
+        </p:style>
+        <p:txBody>
+          <a:bodyPr rtlCol="0" anchor="ctr"/>
+          <a:lstStyle/>
+          <a:p>
+            <a:pPr algn="ctr"/>
+            <a:r>
+              <a:rPr kumimoji="1" lang="zh-CN" altLang="en-US" dirty="0">
+                <a:latin typeface="+mj-ea"/>
+              </a:rPr>
+              <a:t>通讯录</a:t>
+            </a:r>
+            <a:endParaRPr kumimoji="1" lang="en-US" altLang="zh-CN" dirty="0">
+              <a:latin typeface="+mj-ea"/>
+            </a:endParaRPr>
+          </a:p>
+        </p:txBody>
+      </p:sp>
+      <p:sp>
+        <p:nvSpPr>
+          <p:cNvPr id="5" name="矩形 4"/>
+          <p:cNvSpPr/>
+          <p:nvPr/>
+        </p:nvSpPr>
+        <p:spPr>
+          <a:xfrm>
+            <a:off x="668833" y="1679003"/>
+            <a:ext cx="7643565" cy="567903"/>
+          </a:xfrm>
+          <a:prstGeom prst="rect">
+            <a:avLst/>
+          </a:prstGeom>
+        </p:spPr>
+        <p:style>
+          <a:lnRef idx="1">
+            <a:schemeClr val="accent2"/>
+          </a:lnRef>
+          <a:fillRef idx="2">
+            <a:schemeClr val="accent2"/>
+          </a:fillRef>
+          <a:effectRef idx="1">
+            <a:schemeClr val="accent2"/>
+          </a:effectRef>
+          <a:fontRef idx="minor">
+            <a:schemeClr val="dk1"/>
+          </a:fontRef>
+        </p:style>
+        <p:txBody>
+          <a:bodyPr rtlCol="0" anchor="ctr"/>
+          <a:lstStyle/>
+          <a:p>
+            <a:pPr algn="ctr"/>
+            <a:r>
+              <a:rPr kumimoji="1" lang="zh-CN" altLang="en-US" dirty="0">
+                <a:latin typeface="+mj-ea"/>
+              </a:rPr>
+              <a:t>日程</a:t>
+            </a:r>
+            <a:r>
+              <a:rPr kumimoji="1" lang="zh-CN" altLang="en-US" dirty="0" smtClean="0">
+                <a:latin typeface="+mj-ea"/>
+              </a:rPr>
+              <a:t>管理</a:t>
+            </a:r>
+            <a:endParaRPr kumimoji="1" lang="en-US" altLang="zh-CN" dirty="0">
+              <a:latin typeface="+mj-ea"/>
+            </a:endParaRPr>
+          </a:p>
+        </p:txBody>
+      </p:sp>
+      <p:sp>
+        <p:nvSpPr>
+          <p:cNvPr id="6" name="矩形 5"/>
+          <p:cNvSpPr/>
+          <p:nvPr/>
+        </p:nvSpPr>
+        <p:spPr>
+          <a:xfrm>
+            <a:off x="4184213" y="3035150"/>
+            <a:ext cx="1910891" cy="567903"/>
+          </a:xfrm>
+          <a:prstGeom prst="rect">
+            <a:avLst/>
+          </a:prstGeom>
+        </p:spPr>
+        <p:style>
+          <a:lnRef idx="1">
+            <a:schemeClr val="accent2"/>
+          </a:lnRef>
+          <a:fillRef idx="2">
+            <a:schemeClr val="accent2"/>
+          </a:fillRef>
+          <a:effectRef idx="1">
+            <a:schemeClr val="accent2"/>
+          </a:effectRef>
+          <a:fontRef idx="minor">
+            <a:schemeClr val="dk1"/>
+          </a:fontRef>
+        </p:style>
+        <p:txBody>
+          <a:bodyPr rtlCol="0" anchor="ctr"/>
+          <a:lstStyle/>
+          <a:p>
+            <a:pPr algn="ctr"/>
+            <a:r>
+              <a:rPr kumimoji="1" lang="zh-CN" altLang="en-US" dirty="0">
+                <a:latin typeface="+mj-ea"/>
+              </a:rPr>
+              <a:t>工作日记</a:t>
+            </a:r>
+          </a:p>
+        </p:txBody>
+      </p:sp>
+      <p:sp>
+        <p:nvSpPr>
+          <p:cNvPr id="7" name="矩形 6"/>
+          <p:cNvSpPr/>
+          <p:nvPr/>
+        </p:nvSpPr>
+        <p:spPr>
+          <a:xfrm>
+            <a:off x="1139743" y="3035150"/>
+            <a:ext cx="1910891" cy="567903"/>
+          </a:xfrm>
+          <a:prstGeom prst="rect">
+            <a:avLst/>
+          </a:prstGeom>
+        </p:spPr>
+        <p:style>
+          <a:lnRef idx="1">
+            <a:schemeClr val="accent2"/>
+          </a:lnRef>
+          <a:fillRef idx="2">
+            <a:schemeClr val="accent2"/>
+          </a:fillRef>
+          <a:effectRef idx="1">
+            <a:schemeClr val="accent2"/>
+          </a:effectRef>
+          <a:fontRef idx="minor">
+            <a:schemeClr val="dk1"/>
+          </a:fontRef>
+        </p:style>
+        <p:txBody>
+          <a:bodyPr rtlCol="0" anchor="ctr"/>
+          <a:lstStyle/>
+          <a:p>
+            <a:pPr algn="ctr"/>
+            <a:r>
+              <a:rPr kumimoji="1" lang="zh-CN" altLang="en-US" dirty="0">
+                <a:latin typeface="+mj-ea"/>
+              </a:rPr>
+              <a:t>工作任务</a:t>
+            </a:r>
+          </a:p>
+        </p:txBody>
+      </p:sp>
+      <p:sp>
+        <p:nvSpPr>
+          <p:cNvPr id="8" name="矩形 7"/>
+          <p:cNvSpPr/>
+          <p:nvPr/>
+        </p:nvSpPr>
+        <p:spPr>
+          <a:xfrm>
+            <a:off x="2579724" y="2246906"/>
+            <a:ext cx="1910891" cy="567903"/>
+          </a:xfrm>
+          <a:prstGeom prst="rect">
+            <a:avLst/>
+          </a:prstGeom>
+        </p:spPr>
+        <p:style>
+          <a:lnRef idx="1">
+            <a:schemeClr val="accent2"/>
+          </a:lnRef>
+          <a:fillRef idx="2">
+            <a:schemeClr val="accent2"/>
+          </a:fillRef>
+          <a:effectRef idx="1">
+            <a:schemeClr val="accent2"/>
+          </a:effectRef>
+          <a:fontRef idx="minor">
+            <a:schemeClr val="dk1"/>
+          </a:fontRef>
+        </p:style>
+        <p:txBody>
+          <a:bodyPr rtlCol="0" anchor="ctr"/>
+          <a:lstStyle/>
+          <a:p>
+            <a:pPr algn="ctr"/>
+            <a:r>
+              <a:rPr kumimoji="1" lang="zh-CN" altLang="en-US" dirty="0">
+                <a:latin typeface="+mj-ea"/>
+              </a:rPr>
+              <a:t>文档管理</a:t>
+            </a:r>
+          </a:p>
+        </p:txBody>
+      </p:sp>
+      <p:sp>
+        <p:nvSpPr>
+          <p:cNvPr id="9" name="矩形 8"/>
+          <p:cNvSpPr/>
+          <p:nvPr/>
+        </p:nvSpPr>
+        <p:spPr>
+          <a:xfrm>
+            <a:off x="4490616" y="2246906"/>
+            <a:ext cx="1910891" cy="567903"/>
+          </a:xfrm>
+          <a:prstGeom prst="rect">
+            <a:avLst/>
+          </a:prstGeom>
+        </p:spPr>
+        <p:style>
+          <a:lnRef idx="1">
+            <a:schemeClr val="accent2"/>
+          </a:lnRef>
+          <a:fillRef idx="2">
+            <a:schemeClr val="accent2"/>
+          </a:fillRef>
+          <a:effectRef idx="1">
+            <a:schemeClr val="accent2"/>
+          </a:effectRef>
+          <a:fontRef idx="minor">
+            <a:schemeClr val="dk1"/>
+          </a:fontRef>
+        </p:style>
+        <p:txBody>
+          <a:bodyPr rtlCol="0" anchor="ctr"/>
+          <a:lstStyle/>
+          <a:p>
+            <a:pPr algn="ctr"/>
+            <a:r>
+              <a:rPr kumimoji="1" lang="zh-CN" altLang="en-US" dirty="0">
+                <a:latin typeface="+mj-ea"/>
+              </a:rPr>
+              <a:t>通知及公告</a:t>
+            </a:r>
+          </a:p>
+        </p:txBody>
+      </p:sp>
+      <p:sp>
+        <p:nvSpPr>
+          <p:cNvPr id="11" name="矩形 10"/>
+          <p:cNvSpPr/>
+          <p:nvPr/>
+        </p:nvSpPr>
+        <p:spPr>
+          <a:xfrm>
+            <a:off x="6401507" y="2246906"/>
+            <a:ext cx="1910891" cy="2513993"/>
+          </a:xfrm>
+          <a:prstGeom prst="rect">
+            <a:avLst/>
+          </a:prstGeom>
+        </p:spPr>
+        <p:style>
+          <a:lnRef idx="1">
+            <a:schemeClr val="accent4"/>
+          </a:lnRef>
+          <a:fillRef idx="3">
+            <a:schemeClr val="accent4"/>
+          </a:fillRef>
+          <a:effectRef idx="2">
+            <a:schemeClr val="accent4"/>
+          </a:effectRef>
+          <a:fontRef idx="minor">
+            <a:schemeClr val="lt1"/>
+          </a:fontRef>
+        </p:style>
+        <p:txBody>
+          <a:bodyPr rtlCol="0" anchor="ctr"/>
+          <a:lstStyle/>
+          <a:p>
+            <a:pPr algn="ctr"/>
+            <a:r>
+              <a:rPr kumimoji="1" lang="zh-CN" altLang="en-US" dirty="0">
+                <a:latin typeface="+mj-ea"/>
+              </a:rPr>
+              <a:t>系统管理</a:t>
+            </a:r>
+          </a:p>
+        </p:txBody>
+      </p:sp>
+      <p:sp>
+        <p:nvSpPr>
+          <p:cNvPr id="13" name="矩形 12"/>
+          <p:cNvSpPr/>
+          <p:nvPr/>
+        </p:nvSpPr>
+        <p:spPr>
+          <a:xfrm>
+            <a:off x="668833" y="4760899"/>
+            <a:ext cx="1910891" cy="567903"/>
+          </a:xfrm>
+          <a:prstGeom prst="rect">
+            <a:avLst/>
+          </a:prstGeom>
+        </p:spPr>
+        <p:style>
+          <a:lnRef idx="1">
+            <a:schemeClr val="accent6"/>
+          </a:lnRef>
+          <a:fillRef idx="3">
+            <a:schemeClr val="accent6"/>
+          </a:fillRef>
+          <a:effectRef idx="2">
+            <a:schemeClr val="accent6"/>
+          </a:effectRef>
+          <a:fontRef idx="minor">
+            <a:schemeClr val="lt1"/>
+          </a:fontRef>
+        </p:style>
+        <p:txBody>
+          <a:bodyPr rtlCol="0" anchor="ctr"/>
+          <a:lstStyle/>
+          <a:p>
+            <a:pPr algn="ctr"/>
+            <a:r>
+              <a:rPr kumimoji="1" lang="zh-CN" altLang="en-US" dirty="0" smtClean="0">
+                <a:latin typeface="+mj-ea"/>
+              </a:rPr>
+              <a:t>日志记录</a:t>
+            </a:r>
+            <a:endParaRPr kumimoji="1" lang="zh-CN" altLang="en-US" dirty="0">
+              <a:latin typeface="+mj-ea"/>
+            </a:endParaRPr>
+          </a:p>
+        </p:txBody>
+      </p:sp>
+      <p:sp>
+        <p:nvSpPr>
+          <p:cNvPr id="14" name="矩形 13"/>
+          <p:cNvSpPr/>
+          <p:nvPr/>
+        </p:nvSpPr>
+        <p:spPr>
+          <a:xfrm>
+            <a:off x="2579724" y="4760899"/>
+            <a:ext cx="1910891" cy="567903"/>
+          </a:xfrm>
+          <a:prstGeom prst="rect">
+            <a:avLst/>
+          </a:prstGeom>
+        </p:spPr>
+        <p:style>
+          <a:lnRef idx="1">
+            <a:schemeClr val="accent6"/>
+          </a:lnRef>
+          <a:fillRef idx="3">
+            <a:schemeClr val="accent6"/>
+          </a:fillRef>
+          <a:effectRef idx="2">
+            <a:schemeClr val="accent6"/>
+          </a:effectRef>
+          <a:fontRef idx="minor">
+            <a:schemeClr val="lt1"/>
+          </a:fontRef>
+        </p:style>
+        <p:txBody>
+          <a:bodyPr rtlCol="0" anchor="ctr"/>
+          <a:lstStyle/>
+          <a:p>
+            <a:pPr algn="ctr"/>
+            <a:r>
+              <a:rPr kumimoji="1" lang="zh-CN" altLang="en-US" dirty="0">
+                <a:latin typeface="+mj-ea"/>
+              </a:rPr>
+              <a:t>数据备份</a:t>
+            </a:r>
+          </a:p>
+        </p:txBody>
+      </p:sp>
+      <p:sp>
+        <p:nvSpPr>
+          <p:cNvPr id="15" name="矩形 14"/>
+          <p:cNvSpPr/>
+          <p:nvPr/>
+        </p:nvSpPr>
+        <p:spPr>
+          <a:xfrm>
+            <a:off x="4490615" y="4760899"/>
+            <a:ext cx="1910891" cy="567903"/>
+          </a:xfrm>
+          <a:prstGeom prst="rect">
+            <a:avLst/>
+          </a:prstGeom>
+        </p:spPr>
+        <p:style>
+          <a:lnRef idx="1">
+            <a:schemeClr val="accent6"/>
+          </a:lnRef>
+          <a:fillRef idx="3">
+            <a:schemeClr val="accent6"/>
+          </a:fillRef>
+          <a:effectRef idx="2">
+            <a:schemeClr val="accent6"/>
+          </a:effectRef>
+          <a:fontRef idx="minor">
+            <a:schemeClr val="lt1"/>
+          </a:fontRef>
+        </p:style>
+        <p:txBody>
+          <a:bodyPr rtlCol="0" anchor="ctr"/>
+          <a:lstStyle/>
+          <a:p>
+            <a:pPr algn="ctr"/>
+            <a:r>
+              <a:rPr kumimoji="1" lang="zh-CN" altLang="en-US" dirty="0">
+                <a:latin typeface="+mj-ea"/>
+              </a:rPr>
+              <a:t>标准异常处理</a:t>
+            </a:r>
+          </a:p>
+        </p:txBody>
+      </p:sp>
+      <p:sp>
+        <p:nvSpPr>
+          <p:cNvPr id="16" name="矩形 15"/>
+          <p:cNvSpPr/>
+          <p:nvPr/>
+        </p:nvSpPr>
+        <p:spPr>
+          <a:xfrm>
+            <a:off x="668833" y="5328802"/>
+            <a:ext cx="7643564" cy="567903"/>
+          </a:xfrm>
+          <a:prstGeom prst="rect">
+            <a:avLst/>
+          </a:prstGeom>
+        </p:spPr>
+        <p:style>
+          <a:lnRef idx="0">
+            <a:schemeClr val="accent5"/>
+          </a:lnRef>
+          <a:fillRef idx="3">
+            <a:schemeClr val="accent5"/>
+          </a:fillRef>
+          <a:effectRef idx="3">
+            <a:schemeClr val="accent5"/>
+          </a:effectRef>
+          <a:fontRef idx="minor">
+            <a:schemeClr val="lt1"/>
+          </a:fontRef>
+        </p:style>
+        <p:txBody>
+          <a:bodyPr rtlCol="0" anchor="ctr"/>
+          <a:lstStyle/>
+          <a:p>
+            <a:pPr algn="ctr"/>
+            <a:r>
+              <a:rPr kumimoji="1" lang="zh-CN" altLang="en-US" dirty="0">
+                <a:latin typeface="+mj-ea"/>
+              </a:rPr>
+              <a:t>系统安全性</a:t>
+            </a:r>
+          </a:p>
+        </p:txBody>
+      </p:sp>
+      <p:sp>
+        <p:nvSpPr>
+          <p:cNvPr id="17" name="矩形 16"/>
+          <p:cNvSpPr/>
+          <p:nvPr/>
+        </p:nvSpPr>
+        <p:spPr>
+          <a:xfrm>
+            <a:off x="6401506" y="4760899"/>
+            <a:ext cx="1910891" cy="567903"/>
+          </a:xfrm>
+          <a:prstGeom prst="rect">
+            <a:avLst/>
+          </a:prstGeom>
+        </p:spPr>
+        <p:style>
+          <a:lnRef idx="1">
+            <a:schemeClr val="accent6"/>
+          </a:lnRef>
+          <a:fillRef idx="3">
+            <a:schemeClr val="accent6"/>
+          </a:fillRef>
+          <a:effectRef idx="2">
+            <a:schemeClr val="accent6"/>
+          </a:effectRef>
+          <a:fontRef idx="minor">
+            <a:schemeClr val="lt1"/>
+          </a:fontRef>
+        </p:style>
+        <p:txBody>
+          <a:bodyPr rtlCol="0" anchor="ctr"/>
+          <a:lstStyle/>
+          <a:p>
+            <a:pPr algn="ctr"/>
+            <a:r>
+              <a:rPr kumimoji="1" lang="zh-CN" altLang="en-US" dirty="0">
+                <a:latin typeface="+mj-ea"/>
+              </a:rPr>
+              <a:t>数据导入</a:t>
+            </a:r>
+          </a:p>
+        </p:txBody>
+      </p:sp>
+    </p:spTree>
+    <p:extLst>
+      <p:ext uri="{BB962C8B-B14F-4D97-AF65-F5344CB8AC3E}">
+        <p14:creationId xmlns:p14="http://schemas.microsoft.com/office/powerpoint/2010/main" val="3396394978"/>
+      </p:ext>
+    </p:extLst>
+  </p:cSld>
+  <p:clrMapOvr>
+    <a:masterClrMapping/>
+  </p:clrMapOvr>
+  <p:timing>
+    <p:tnLst>
+      <p:par>
+        <p:cTn xmlns:p14="http://schemas.microsoft.com/office/powerpoint/2010/main" id="1" dur="indefinite" restart="never" nodeType="tmRoot"/>
+      </p:par>
+    </p:tnLst>
+  </p:timing>
+</p:sld>
+</file>
+
+<file path=ppt/slides/slide8.xml><?xml version="1.0" encoding="utf-8"?>
 <p:sld xmlns:a="http://schemas.openxmlformats.org/drawingml/2006/main" xmlns:r="http://schemas.openxmlformats.org/officeDocument/2006/relationships" xmlns:p="http://schemas.openxmlformats.org/presentationml/2006/main">
   <p:cSld>
     <p:spTree>
